--- a/Selecting Neighborhoods when Moving to Austin, TX.pptx
+++ b/Selecting Neighborhoods when Moving to Austin, TX.pptx
@@ -4152,7 +4152,7 @@
         </p:blipFill>
         <p:spPr>
           <a:xfrm>
-            <a:off x="4176773" y="2591876"/>
+            <a:off x="4263496" y="3429000"/>
             <a:ext cx="2799824" cy="1939709"/>
           </a:xfrm>
           <a:prstGeom prst="rect">
@@ -4188,7 +4188,7 @@
         </p:blipFill>
         <p:spPr>
           <a:xfrm>
-            <a:off x="6096000" y="4702889"/>
+            <a:off x="7143345" y="2576276"/>
             <a:ext cx="2746054" cy="1970910"/>
           </a:xfrm>
           <a:prstGeom prst="rect">
@@ -4224,7 +4224,7 @@
         </p:blipFill>
         <p:spPr>
           <a:xfrm>
-            <a:off x="8953437" y="3149424"/>
+            <a:off x="9040353" y="4678348"/>
             <a:ext cx="2746054" cy="1940467"/>
           </a:xfrm>
           <a:prstGeom prst="rect">
@@ -4326,7 +4326,7 @@
         </p:blipFill>
         <p:spPr>
           <a:xfrm>
-            <a:off x="4223731" y="895949"/>
+            <a:off x="4263496" y="710858"/>
             <a:ext cx="1704975" cy="1476375"/>
           </a:xfrm>
           <a:prstGeom prst="rect">
@@ -6409,11 +6409,7 @@
           <a:p>
             <a:r>
               <a:rPr lang="en-US" dirty="0"/>
-              <a:t>Exploring </a:t>
-            </a:r>
-            <a:r>
-              <a:rPr lang="en-US"/>
-              <a:t>for Yourself</a:t>
+              <a:t>Exploring for Yourself</a:t>
             </a:r>
           </a:p>
         </p:txBody>
@@ -6436,10 +6432,111 @@
         </p:nvSpPr>
         <p:spPr/>
         <p:txBody>
-          <a:bodyPr/>
+          <a:bodyPr>
+            <a:normAutofit lnSpcReduction="10000"/>
+          </a:bodyPr>
           <a:lstStyle/>
           <a:p>
-            <a:endParaRPr lang="en-US"/>
+            <a:r>
+              <a:rPr lang="en-US" dirty="0"/>
+              <a:t>The original </a:t>
+            </a:r>
+            <a:r>
+              <a:rPr lang="en-US" dirty="0" err="1"/>
+              <a:t>Jupyter</a:t>
+            </a:r>
+            <a:r>
+              <a:rPr lang="en-US" dirty="0"/>
+              <a:t> Notebook, along with all the code, and details on how the data was processed is available on GitHub at </a:t>
+            </a:r>
+            <a:r>
+              <a:rPr lang="en-US" dirty="0">
+                <a:hlinkClick r:id="rId2"/>
+              </a:rPr>
+              <a:t>Selecting Neighborhoods When Moving to Austin, </a:t>
+            </a:r>
+            <a:r>
+              <a:rPr lang="en-US" dirty="0" err="1">
+                <a:hlinkClick r:id="rId2"/>
+              </a:rPr>
+              <a:t>TX.ipynb</a:t>
+            </a:r>
+            <a:endParaRPr lang="en-US" dirty="0"/>
+          </a:p>
+          <a:p>
+            <a:pPr lvl="1"/>
+            <a:r>
+              <a:rPr lang="en-US" dirty="0"/>
+              <a:t>Note the Folium maps aren’t viewable if using the GitHub UI – view the same document using the </a:t>
+            </a:r>
+            <a:r>
+              <a:rPr lang="en-US" dirty="0" err="1"/>
+              <a:t>Jupyter</a:t>
+            </a:r>
+            <a:r>
+              <a:rPr lang="en-US" dirty="0"/>
+              <a:t> Notebook Viewer with the link </a:t>
+            </a:r>
+            <a:r>
+              <a:rPr lang="en-US" dirty="0" err="1">
+                <a:hlinkClick r:id="rId3"/>
+              </a:rPr>
+              <a:t>Jupyter</a:t>
+            </a:r>
+            <a:r>
+              <a:rPr lang="en-US" dirty="0">
+                <a:hlinkClick r:id="rId3"/>
+              </a:rPr>
+              <a:t> Notebook Viewer - Selecting Neighborhoods When Moving to Austin, </a:t>
+            </a:r>
+            <a:r>
+              <a:rPr lang="en-US" dirty="0" err="1">
+                <a:hlinkClick r:id="rId3"/>
+              </a:rPr>
+              <a:t>TX.ipynb</a:t>
+            </a:r>
+            <a:endParaRPr lang="en-US" dirty="0"/>
+          </a:p>
+          <a:p>
+            <a:pPr lvl="1"/>
+            <a:r>
+              <a:rPr lang="en-US" dirty="0"/>
+              <a:t>You can hover over neighborhood to get the name, or click the neighborhood marker to get the name and cluster when using the </a:t>
+            </a:r>
+            <a:r>
+              <a:rPr lang="en-US" dirty="0" err="1"/>
+              <a:t>Jupyter</a:t>
+            </a:r>
+            <a:r>
+              <a:rPr lang="en-US" dirty="0"/>
+              <a:t> Notebook Viewer</a:t>
+            </a:r>
+          </a:p>
+          <a:p>
+            <a:r>
+              <a:rPr lang="en-US" dirty="0"/>
+              <a:t>The Report of the analysis is available on GitHub at </a:t>
+            </a:r>
+            <a:r>
+              <a:rPr lang="en-US" dirty="0">
+                <a:hlinkClick r:id="rId4"/>
+              </a:rPr>
+              <a:t>Selecting Neighborhoods when Moving to Austin.pdf</a:t>
+            </a:r>
+            <a:endParaRPr lang="en-US" dirty="0"/>
+          </a:p>
+          <a:p>
+            <a:r>
+              <a:rPr lang="en-US" dirty="0"/>
+              <a:t>This document is available on GitHub at </a:t>
+            </a:r>
+            <a:r>
+              <a:rPr lang="en-US" dirty="0">
+                <a:hlinkClick r:id="rId5"/>
+              </a:rPr>
+              <a:t>Selecting Neighborhoods when Moving to Austin, TX.pptx</a:t>
+            </a:r>
+            <a:endParaRPr lang="en-US" dirty="0"/>
           </a:p>
         </p:txBody>
       </p:sp>
